--- a/eng/lean manufacturing.pptx
+++ b/eng/lean manufacturing.pptx
@@ -6,12 +6,13 @@
   </p:sldMasterIdLst>
   <p:sldIdLst>
     <p:sldId id="256" r:id="rId2"/>
-    <p:sldId id="257" r:id="rId3"/>
-    <p:sldId id="258" r:id="rId4"/>
-    <p:sldId id="259" r:id="rId5"/>
-    <p:sldId id="260" r:id="rId6"/>
-    <p:sldId id="261" r:id="rId7"/>
-    <p:sldId id="262" r:id="rId8"/>
+    <p:sldId id="263" r:id="rId3"/>
+    <p:sldId id="257" r:id="rId4"/>
+    <p:sldId id="258" r:id="rId5"/>
+    <p:sldId id="259" r:id="rId6"/>
+    <p:sldId id="260" r:id="rId7"/>
+    <p:sldId id="261" r:id="rId8"/>
+    <p:sldId id="262" r:id="rId9"/>
   </p:sldIdLst>
   <p:sldSz cx="12192000" cy="6858000"/>
   <p:notesSz cx="6858000" cy="9144000"/>
@@ -110,6 +111,11 @@
       </a:defRPr>
     </a:lvl9pPr>
   </p:defaultTextStyle>
+  <p:extLst>
+    <p:ext uri="{EFAFB233-063F-42B5-8137-9DF3F51BA10A}">
+      <p15:sldGuideLst xmlns:p15="http://schemas.microsoft.com/office/powerpoint/2012/main"/>
+    </p:ext>
+  </p:extLst>
 </p:presentation>
 </file>
 
@@ -276,7 +282,7 @@
           <a:p>
             <a:fld id="{7BEE59B3-8219-41D6-AD9E-A4D9E73FA962}" type="datetimeFigureOut">
               <a:rPr lang="ru-RU" smtClean="0"/>
-              <a:t>08.12.2023</a:t>
+              <a:t>09.12.2023</a:t>
             </a:fld>
             <a:endParaRPr lang="ru-RU"/>
           </a:p>
@@ -446,7 +452,7 @@
           <a:p>
             <a:fld id="{7BEE59B3-8219-41D6-AD9E-A4D9E73FA962}" type="datetimeFigureOut">
               <a:rPr lang="ru-RU" smtClean="0"/>
-              <a:t>08.12.2023</a:t>
+              <a:t>09.12.2023</a:t>
             </a:fld>
             <a:endParaRPr lang="ru-RU"/>
           </a:p>
@@ -626,7 +632,7 @@
           <a:p>
             <a:fld id="{7BEE59B3-8219-41D6-AD9E-A4D9E73FA962}" type="datetimeFigureOut">
               <a:rPr lang="ru-RU" smtClean="0"/>
-              <a:t>08.12.2023</a:t>
+              <a:t>09.12.2023</a:t>
             </a:fld>
             <a:endParaRPr lang="ru-RU"/>
           </a:p>
@@ -796,7 +802,7 @@
           <a:p>
             <a:fld id="{7BEE59B3-8219-41D6-AD9E-A4D9E73FA962}" type="datetimeFigureOut">
               <a:rPr lang="ru-RU" smtClean="0"/>
-              <a:t>08.12.2023</a:t>
+              <a:t>09.12.2023</a:t>
             </a:fld>
             <a:endParaRPr lang="ru-RU"/>
           </a:p>
@@ -1064,7 +1070,7 @@
           <a:p>
             <a:fld id="{7BEE59B3-8219-41D6-AD9E-A4D9E73FA962}" type="datetimeFigureOut">
               <a:rPr lang="ru-RU" smtClean="0"/>
-              <a:t>08.12.2023</a:t>
+              <a:t>09.12.2023</a:t>
             </a:fld>
             <a:endParaRPr lang="ru-RU"/>
           </a:p>
@@ -1296,7 +1302,7 @@
           <a:p>
             <a:fld id="{7BEE59B3-8219-41D6-AD9E-A4D9E73FA962}" type="datetimeFigureOut">
               <a:rPr lang="ru-RU" smtClean="0"/>
-              <a:t>08.12.2023</a:t>
+              <a:t>09.12.2023</a:t>
             </a:fld>
             <a:endParaRPr lang="ru-RU"/>
           </a:p>
@@ -1655,7 +1661,7 @@
           <a:p>
             <a:fld id="{7BEE59B3-8219-41D6-AD9E-A4D9E73FA962}" type="datetimeFigureOut">
               <a:rPr lang="ru-RU" smtClean="0"/>
-              <a:t>08.12.2023</a:t>
+              <a:t>09.12.2023</a:t>
             </a:fld>
             <a:endParaRPr lang="ru-RU"/>
           </a:p>
@@ -1796,7 +1802,7 @@
           <a:p>
             <a:fld id="{7BEE59B3-8219-41D6-AD9E-A4D9E73FA962}" type="datetimeFigureOut">
               <a:rPr lang="ru-RU" smtClean="0"/>
-              <a:t>08.12.2023</a:t>
+              <a:t>09.12.2023</a:t>
             </a:fld>
             <a:endParaRPr lang="ru-RU"/>
           </a:p>
@@ -1891,7 +1897,7 @@
           <a:p>
             <a:fld id="{7BEE59B3-8219-41D6-AD9E-A4D9E73FA962}" type="datetimeFigureOut">
               <a:rPr lang="ru-RU" smtClean="0"/>
-              <a:t>08.12.2023</a:t>
+              <a:t>09.12.2023</a:t>
             </a:fld>
             <a:endParaRPr lang="ru-RU"/>
           </a:p>
@@ -2248,7 +2254,7 @@
           <a:p>
             <a:fld id="{7BEE59B3-8219-41D6-AD9E-A4D9E73FA962}" type="datetimeFigureOut">
               <a:rPr lang="ru-RU" smtClean="0"/>
-              <a:t>08.12.2023</a:t>
+              <a:t>09.12.2023</a:t>
             </a:fld>
             <a:endParaRPr lang="ru-RU"/>
           </a:p>
@@ -2605,7 +2611,7 @@
           <a:p>
             <a:fld id="{7BEE59B3-8219-41D6-AD9E-A4D9E73FA962}" type="datetimeFigureOut">
               <a:rPr lang="ru-RU" smtClean="0"/>
-              <a:t>08.12.2023</a:t>
+              <a:t>09.12.2023</a:t>
             </a:fld>
             <a:endParaRPr lang="ru-RU"/>
           </a:p>
@@ -2847,7 +2853,7 @@
           <a:p>
             <a:fld id="{7BEE59B3-8219-41D6-AD9E-A4D9E73FA962}" type="datetimeFigureOut">
               <a:rPr lang="ru-RU" smtClean="0"/>
-              <a:t>08.12.2023</a:t>
+              <a:t>09.12.2023</a:t>
             </a:fld>
             <a:endParaRPr lang="ru-RU"/>
           </a:p>
@@ -3363,6 +3369,124 @@
           <p:cNvPr id="2" name="Заголовок 1">
             <a:extLst>
               <a:ext uri="{FF2B5EF4-FFF2-40B4-BE49-F238E27FC236}">
+                <a16:creationId xmlns:a16="http://schemas.microsoft.com/office/drawing/2014/main" id="{CEF1BC10-C626-4316-99D9-4FC5F1BE2610}"/>
+              </a:ext>
+            </a:extLst>
+          </p:cNvPr>
+          <p:cNvSpPr>
+            <a:spLocks noGrp="1"/>
+          </p:cNvSpPr>
+          <p:nvPr>
+            <p:ph type="title"/>
+          </p:nvPr>
+        </p:nvSpPr>
+        <p:spPr/>
+        <p:txBody>
+          <a:bodyPr/>
+          <a:lstStyle/>
+          <a:p>
+            <a:r>
+              <a:rPr lang="en-US" dirty="0"/>
+              <a:t>Main questions</a:t>
+            </a:r>
+            <a:endParaRPr lang="ru-RU" dirty="0"/>
+          </a:p>
+        </p:txBody>
+      </p:sp>
+      <p:sp>
+        <p:nvSpPr>
+          <p:cNvPr id="3" name="Объект 2">
+            <a:extLst>
+              <a:ext uri="{FF2B5EF4-FFF2-40B4-BE49-F238E27FC236}">
+                <a16:creationId xmlns:a16="http://schemas.microsoft.com/office/drawing/2014/main" id="{94FE1B87-A8E7-416E-8492-3B65CB419605}"/>
+              </a:ext>
+            </a:extLst>
+          </p:cNvPr>
+          <p:cNvSpPr>
+            <a:spLocks noGrp="1"/>
+          </p:cNvSpPr>
+          <p:nvPr>
+            <p:ph idx="1"/>
+          </p:nvPr>
+        </p:nvSpPr>
+        <p:spPr/>
+        <p:txBody>
+          <a:bodyPr>
+            <a:normAutofit/>
+          </a:bodyPr>
+          <a:lstStyle/>
+          <a:p>
+            <a:r>
+              <a:rPr lang="en-US" sz="3200" dirty="0">
+                <a:latin typeface="Calibri" panose="020F0502020204030204" pitchFamily="34" charset="0"/>
+                <a:ea typeface="Calibri" panose="020F0502020204030204" pitchFamily="34" charset="0"/>
+                <a:cs typeface="Calibri" panose="020F0502020204030204" pitchFamily="34" charset="0"/>
+              </a:rPr>
+              <a:t>What core principles in lean manufacturing?</a:t>
+            </a:r>
+          </a:p>
+          <a:p>
+            <a:r>
+              <a:rPr lang="en-US" sz="3200" dirty="0">
+                <a:latin typeface="Calibri" panose="020F0502020204030204" pitchFamily="34" charset="0"/>
+                <a:ea typeface="Calibri" panose="020F0502020204030204" pitchFamily="34" charset="0"/>
+                <a:cs typeface="Calibri" panose="020F0502020204030204" pitchFamily="34" charset="0"/>
+              </a:rPr>
+              <a:t>Seven wastes in lean manufacturing?</a:t>
+            </a:r>
+          </a:p>
+          <a:p>
+            <a:r>
+              <a:rPr lang="en-US" sz="3200" dirty="0">
+                <a:latin typeface="Calibri" panose="020F0502020204030204" pitchFamily="34" charset="0"/>
+                <a:ea typeface="Calibri" panose="020F0502020204030204" pitchFamily="34" charset="0"/>
+                <a:cs typeface="Calibri" panose="020F0502020204030204" pitchFamily="34" charset="0"/>
+              </a:rPr>
+              <a:t>What techniques are in manufacturing?</a:t>
+            </a:r>
+            <a:endParaRPr lang="ru-RU" sz="3200" dirty="0">
+              <a:latin typeface="Calibri" panose="020F0502020204030204" pitchFamily="34" charset="0"/>
+              <a:ea typeface="Calibri" panose="020F0502020204030204" pitchFamily="34" charset="0"/>
+              <a:cs typeface="Calibri" panose="020F0502020204030204" pitchFamily="34" charset="0"/>
+            </a:endParaRPr>
+          </a:p>
+        </p:txBody>
+      </p:sp>
+    </p:spTree>
+    <p:extLst>
+      <p:ext uri="{BB962C8B-B14F-4D97-AF65-F5344CB8AC3E}">
+        <p14:creationId xmlns:p14="http://schemas.microsoft.com/office/powerpoint/2010/main" val="3430171128"/>
+      </p:ext>
+    </p:extLst>
+  </p:cSld>
+  <p:clrMapOvr>
+    <a:masterClrMapping/>
+  </p:clrMapOvr>
+</p:sld>
+</file>
+
+<file path=ppt/slides/slide3.xml><?xml version="1.0" encoding="utf-8"?>
+<p:sld xmlns:a="http://schemas.openxmlformats.org/drawingml/2006/main" xmlns:r="http://schemas.openxmlformats.org/officeDocument/2006/relationships" xmlns:p="http://schemas.openxmlformats.org/presentationml/2006/main">
+  <p:cSld>
+    <p:spTree>
+      <p:nvGrpSpPr>
+        <p:cNvPr id="1" name=""/>
+        <p:cNvGrpSpPr/>
+        <p:nvPr/>
+      </p:nvGrpSpPr>
+      <p:grpSpPr>
+        <a:xfrm>
+          <a:off x="0" y="0"/>
+          <a:ext cx="0" cy="0"/>
+          <a:chOff x="0" y="0"/>
+          <a:chExt cx="0" cy="0"/>
+        </a:xfrm>
+      </p:grpSpPr>
+      <p:sp>
+        <p:nvSpPr>
+          <p:cNvPr id="2" name="Заголовок 1">
+            <a:extLst>
+              <a:ext uri="{FF2B5EF4-FFF2-40B4-BE49-F238E27FC236}">
                 <a16:creationId xmlns:a16="http://schemas.microsoft.com/office/drawing/2014/main" id="{A02601C6-2C16-4708-BAE0-56841BF14CDB}"/>
               </a:ext>
             </a:extLst>
@@ -3410,12 +3534,14 @@
           </a:xfrm>
         </p:spPr>
         <p:txBody>
-          <a:bodyPr/>
+          <a:bodyPr>
+            <a:normAutofit/>
+          </a:bodyPr>
           <a:lstStyle/>
           <a:p>
             <a:pPr algn="just"/>
             <a:r>
-              <a:rPr lang="en-US" sz="2400" b="1" i="1" dirty="0">
+              <a:rPr lang="en-US" sz="2800" b="1" i="1" dirty="0">
                 <a:effectLst/>
                 <a:latin typeface="Calibri" panose="020F0502020204030204" pitchFamily="34" charset="0"/>
                 <a:ea typeface="Calibri" panose="020F0502020204030204" pitchFamily="34" charset="0"/>
@@ -3424,7 +3550,7 @@
               <a:t>Lean manufacturing </a:t>
             </a:r>
             <a:r>
-              <a:rPr lang="en-US" sz="2400" dirty="0">
+              <a:rPr lang="en-US" sz="2800" dirty="0">
                 <a:effectLst/>
                 <a:latin typeface="Calibri" panose="020F0502020204030204" pitchFamily="34" charset="0"/>
                 <a:ea typeface="Calibri" panose="020F0502020204030204" pitchFamily="34" charset="0"/>
@@ -3432,7 +3558,7 @@
               </a:rPr>
               <a:t>is a systematic method for minimizing waste within a manufacturing system while maximizing productivity.</a:t>
             </a:r>
-            <a:endParaRPr lang="ru-RU" sz="2400" dirty="0">
+            <a:endParaRPr lang="ru-RU" sz="2800" dirty="0">
               <a:effectLst/>
               <a:latin typeface="Calibri" panose="020F0502020204030204" pitchFamily="34" charset="0"/>
               <a:ea typeface="Calibri" panose="020F0502020204030204" pitchFamily="34" charset="0"/>
@@ -3440,7 +3566,7 @@
             </a:endParaRPr>
           </a:p>
           <a:p>
-            <a:endParaRPr lang="ru-RU" dirty="0"/>
+            <a:endParaRPr lang="ru-RU" sz="2000" dirty="0"/>
           </a:p>
         </p:txBody>
       </p:sp>
@@ -3473,7 +3599,7 @@
         </p:blipFill>
         <p:spPr bwMode="auto">
           <a:xfrm>
-            <a:off x="4406909" y="3778624"/>
+            <a:off x="4406909" y="3883728"/>
             <a:ext cx="3378182" cy="2702546"/>
           </a:xfrm>
           <a:prstGeom prst="rect">
@@ -3509,15 +3635,6 @@
               <a:srgbClr val="FFFFFF"/>
             </a:contourClr>
           </a:sp3d>
-          <a:extLst>
-            <a:ext uri="{909E8E84-426E-40DD-AFC4-6F175D3DCCD1}">
-              <a14:hiddenFill xmlns:a14="http://schemas.microsoft.com/office/drawing/2010/main">
-                <a:solidFill>
-                  <a:srgbClr val="FFFFFF"/>
-                </a:solidFill>
-              </a14:hiddenFill>
-            </a:ext>
-          </a:extLst>
         </p:spPr>
       </p:pic>
     </p:spTree>
@@ -3533,7 +3650,7 @@
 </p:sld>
 </file>
 
-<file path=ppt/slides/slide3.xml><?xml version="1.0" encoding="utf-8"?>
+<file path=ppt/slides/slide4.xml><?xml version="1.0" encoding="utf-8"?>
 <p:sld xmlns:a="http://schemas.openxmlformats.org/drawingml/2006/main" xmlns:r="http://schemas.openxmlformats.org/officeDocument/2006/relationships" xmlns:p="http://schemas.openxmlformats.org/presentationml/2006/main">
   <p:cSld>
     <p:spTree>
@@ -3766,7 +3883,7 @@
 </p:sld>
 </file>
 
-<file path=ppt/slides/slide4.xml><?xml version="1.0" encoding="utf-8"?>
+<file path=ppt/slides/slide5.xml><?xml version="1.0" encoding="utf-8"?>
 <p:sld xmlns:a="http://schemas.openxmlformats.org/drawingml/2006/main" xmlns:r="http://schemas.openxmlformats.org/officeDocument/2006/relationships" xmlns:p="http://schemas.openxmlformats.org/presentationml/2006/main">
   <p:cSld>
     <p:spTree>
@@ -4123,264 +4240,12 @@
               <a:srgbClr val="FFFFFF"/>
             </a:contourClr>
           </a:sp3d>
-          <a:extLst>
-            <a:ext uri="{909E8E84-426E-40DD-AFC4-6F175D3DCCD1}">
-              <a14:hiddenFill xmlns:a14="http://schemas.microsoft.com/office/drawing/2010/main">
-                <a:solidFill>
-                  <a:srgbClr val="FFFFFF"/>
-                </a:solidFill>
-              </a14:hiddenFill>
-            </a:ext>
-          </a:extLst>
         </p:spPr>
       </p:pic>
     </p:spTree>
     <p:extLst>
       <p:ext uri="{BB962C8B-B14F-4D97-AF65-F5344CB8AC3E}">
         <p14:creationId xmlns:p14="http://schemas.microsoft.com/office/powerpoint/2010/main" val="2539253424"/>
-      </p:ext>
-    </p:extLst>
-  </p:cSld>
-  <p:clrMapOvr>
-    <a:masterClrMapping/>
-  </p:clrMapOvr>
-</p:sld>
-</file>
-
-<file path=ppt/slides/slide5.xml><?xml version="1.0" encoding="utf-8"?>
-<p:sld xmlns:a="http://schemas.openxmlformats.org/drawingml/2006/main" xmlns:r="http://schemas.openxmlformats.org/officeDocument/2006/relationships" xmlns:p="http://schemas.openxmlformats.org/presentationml/2006/main">
-  <p:cSld>
-    <p:spTree>
-      <p:nvGrpSpPr>
-        <p:cNvPr id="1" name=""/>
-        <p:cNvGrpSpPr/>
-        <p:nvPr/>
-      </p:nvGrpSpPr>
-      <p:grpSpPr>
-        <a:xfrm>
-          <a:off x="0" y="0"/>
-          <a:ext cx="0" cy="0"/>
-          <a:chOff x="0" y="0"/>
-          <a:chExt cx="0" cy="0"/>
-        </a:xfrm>
-      </p:grpSpPr>
-      <p:sp>
-        <p:nvSpPr>
-          <p:cNvPr id="2" name="Заголовок 1">
-            <a:extLst>
-              <a:ext uri="{FF2B5EF4-FFF2-40B4-BE49-F238E27FC236}">
-                <a16:creationId xmlns:a16="http://schemas.microsoft.com/office/drawing/2014/main" id="{92129873-7765-4DE4-80E1-67EFAB731028}"/>
-              </a:ext>
-            </a:extLst>
-          </p:cNvPr>
-          <p:cNvSpPr>
-            <a:spLocks noGrp="1"/>
-          </p:cNvSpPr>
-          <p:nvPr>
-            <p:ph type="title"/>
-          </p:nvPr>
-        </p:nvSpPr>
-        <p:spPr/>
-        <p:txBody>
-          <a:bodyPr/>
-          <a:lstStyle/>
-          <a:p>
-            <a:r>
-              <a:rPr lang="en-US" dirty="0"/>
-              <a:t>Tools and Techniques</a:t>
-            </a:r>
-            <a:endParaRPr lang="ru-RU" dirty="0"/>
-          </a:p>
-        </p:txBody>
-      </p:sp>
-      <p:sp>
-        <p:nvSpPr>
-          <p:cNvPr id="3" name="Объект 2">
-            <a:extLst>
-              <a:ext uri="{FF2B5EF4-FFF2-40B4-BE49-F238E27FC236}">
-                <a16:creationId xmlns:a16="http://schemas.microsoft.com/office/drawing/2014/main" id="{94B58713-C3A4-41E1-9D2D-D56CA159F355}"/>
-              </a:ext>
-            </a:extLst>
-          </p:cNvPr>
-          <p:cNvSpPr>
-            <a:spLocks noGrp="1"/>
-          </p:cNvSpPr>
-          <p:nvPr>
-            <p:ph idx="1"/>
-          </p:nvPr>
-        </p:nvSpPr>
-        <p:spPr>
-          <a:xfrm>
-            <a:off x="2231136" y="2315315"/>
-            <a:ext cx="7729728" cy="3771721"/>
-          </a:xfrm>
-        </p:spPr>
-        <p:txBody>
-          <a:bodyPr>
-            <a:normAutofit/>
-          </a:bodyPr>
-          <a:lstStyle/>
-          <a:p>
-            <a:pPr marL="342900" lvl="0" indent="-342900" algn="ctr">
-              <a:lnSpc>
-                <a:spcPct val="107000"/>
-              </a:lnSpc>
-              <a:spcAft>
-                <a:spcPts val="800"/>
-              </a:spcAft>
-              <a:buSzPts val="1000"/>
-              <a:buFont typeface="Symbol" panose="05050102010706020507" pitchFamily="18" charset="2"/>
-              <a:buChar char=""/>
-              <a:tabLst>
-                <a:tab pos="457200" algn="l"/>
-              </a:tabLst>
-            </a:pPr>
-            <a:r>
-              <a:rPr lang="en-US" sz="2800" b="1" dirty="0">
-                <a:effectLst/>
-                <a:latin typeface="Calibri" panose="020F0502020204030204" pitchFamily="34" charset="0"/>
-                <a:ea typeface="Calibri" panose="020F0502020204030204" pitchFamily="34" charset="0"/>
-                <a:cs typeface="Times New Roman" panose="02020603050405020304" pitchFamily="18" charset="0"/>
-              </a:rPr>
-              <a:t>5S System</a:t>
-            </a:r>
-            <a:endParaRPr lang="ru-RU" sz="2800" dirty="0">
-              <a:effectLst/>
-              <a:latin typeface="Calibri" panose="020F0502020204030204" pitchFamily="34" charset="0"/>
-              <a:ea typeface="Calibri" panose="020F0502020204030204" pitchFamily="34" charset="0"/>
-              <a:cs typeface="Times New Roman" panose="02020603050405020304" pitchFamily="18" charset="0"/>
-            </a:endParaRPr>
-          </a:p>
-          <a:p>
-            <a:pPr marL="342900" lvl="0" indent="-342900" algn="ctr">
-              <a:lnSpc>
-                <a:spcPct val="107000"/>
-              </a:lnSpc>
-              <a:spcAft>
-                <a:spcPts val="800"/>
-              </a:spcAft>
-              <a:buSzPts val="1000"/>
-              <a:buFont typeface="Symbol" panose="05050102010706020507" pitchFamily="18" charset="2"/>
-              <a:buChar char=""/>
-              <a:tabLst>
-                <a:tab pos="457200" algn="l"/>
-              </a:tabLst>
-            </a:pPr>
-            <a:r>
-              <a:rPr lang="en-US" sz="2800" b="1" dirty="0">
-                <a:effectLst/>
-                <a:latin typeface="Calibri" panose="020F0502020204030204" pitchFamily="34" charset="0"/>
-                <a:ea typeface="Calibri" panose="020F0502020204030204" pitchFamily="34" charset="0"/>
-                <a:cs typeface="Times New Roman" panose="02020603050405020304" pitchFamily="18" charset="0"/>
-              </a:rPr>
-              <a:t>Kanban System</a:t>
-            </a:r>
-            <a:endParaRPr lang="ru-RU" sz="2800" dirty="0">
-              <a:effectLst/>
-              <a:latin typeface="Calibri" panose="020F0502020204030204" pitchFamily="34" charset="0"/>
-              <a:ea typeface="Calibri" panose="020F0502020204030204" pitchFamily="34" charset="0"/>
-              <a:cs typeface="Times New Roman" panose="02020603050405020304" pitchFamily="18" charset="0"/>
-            </a:endParaRPr>
-          </a:p>
-          <a:p>
-            <a:pPr marL="342900" lvl="0" indent="-342900" algn="ctr">
-              <a:lnSpc>
-                <a:spcPct val="107000"/>
-              </a:lnSpc>
-              <a:spcAft>
-                <a:spcPts val="800"/>
-              </a:spcAft>
-              <a:buSzPts val="1000"/>
-              <a:buFont typeface="Symbol" panose="05050102010706020507" pitchFamily="18" charset="2"/>
-              <a:buChar char=""/>
-              <a:tabLst>
-                <a:tab pos="457200" algn="l"/>
-              </a:tabLst>
-            </a:pPr>
-            <a:r>
-              <a:rPr lang="en-US" sz="2800" b="1" dirty="0">
-                <a:effectLst/>
-                <a:latin typeface="Calibri" panose="020F0502020204030204" pitchFamily="34" charset="0"/>
-                <a:ea typeface="Calibri" panose="020F0502020204030204" pitchFamily="34" charset="0"/>
-                <a:cs typeface="Times New Roman" panose="02020603050405020304" pitchFamily="18" charset="0"/>
-              </a:rPr>
-              <a:t>Poka-Yoke (Error Proofing)</a:t>
-            </a:r>
-            <a:endParaRPr lang="ru-RU" sz="2800" b="1" dirty="0">
-              <a:effectLst/>
-              <a:latin typeface="Calibri" panose="020F0502020204030204" pitchFamily="34" charset="0"/>
-              <a:ea typeface="Calibri" panose="020F0502020204030204" pitchFamily="34" charset="0"/>
-              <a:cs typeface="Times New Roman" panose="02020603050405020304" pitchFamily="18" charset="0"/>
-            </a:endParaRPr>
-          </a:p>
-          <a:p>
-            <a:pPr marL="342900" lvl="0" indent="-342900" algn="ctr">
-              <a:lnSpc>
-                <a:spcPct val="107000"/>
-              </a:lnSpc>
-              <a:spcAft>
-                <a:spcPts val="800"/>
-              </a:spcAft>
-              <a:buSzPts val="1000"/>
-              <a:buFont typeface="Symbol" panose="05050102010706020507" pitchFamily="18" charset="2"/>
-              <a:buChar char=""/>
-              <a:tabLst>
-                <a:tab pos="457200" algn="l"/>
-              </a:tabLst>
-            </a:pPr>
-            <a:r>
-              <a:rPr lang="en-US" sz="2800" b="1" dirty="0">
-                <a:effectLst/>
-                <a:latin typeface="Calibri" panose="020F0502020204030204" pitchFamily="34" charset="0"/>
-                <a:ea typeface="Calibri" panose="020F0502020204030204" pitchFamily="34" charset="0"/>
-                <a:cs typeface="Times New Roman" panose="02020603050405020304" pitchFamily="18" charset="0"/>
-              </a:rPr>
-              <a:t>Kaizen (Continuous Improvement)</a:t>
-            </a:r>
-            <a:endParaRPr lang="ru-RU" sz="2800" b="1" dirty="0">
-              <a:effectLst/>
-              <a:latin typeface="Calibri" panose="020F0502020204030204" pitchFamily="34" charset="0"/>
-              <a:ea typeface="Calibri" panose="020F0502020204030204" pitchFamily="34" charset="0"/>
-              <a:cs typeface="Times New Roman" panose="02020603050405020304" pitchFamily="18" charset="0"/>
-            </a:endParaRPr>
-          </a:p>
-          <a:p>
-            <a:pPr marL="342900" lvl="0" indent="-342900" algn="ctr">
-              <a:lnSpc>
-                <a:spcPct val="107000"/>
-              </a:lnSpc>
-              <a:spcAft>
-                <a:spcPts val="800"/>
-              </a:spcAft>
-              <a:buSzPts val="1000"/>
-              <a:buFont typeface="Symbol" panose="05050102010706020507" pitchFamily="18" charset="2"/>
-              <a:buChar char=""/>
-              <a:tabLst>
-                <a:tab pos="457200" algn="l"/>
-              </a:tabLst>
-            </a:pPr>
-            <a:r>
-              <a:rPr lang="en-US" sz="2800" b="1" dirty="0">
-                <a:effectLst/>
-                <a:latin typeface="Calibri" panose="020F0502020204030204" pitchFamily="34" charset="0"/>
-                <a:ea typeface="Calibri" panose="020F0502020204030204" pitchFamily="34" charset="0"/>
-                <a:cs typeface="Times New Roman" panose="02020603050405020304" pitchFamily="18" charset="0"/>
-              </a:rPr>
-              <a:t>Value Stream Mapping</a:t>
-            </a:r>
-            <a:endParaRPr lang="ru-RU" sz="2800" dirty="0">
-              <a:effectLst/>
-              <a:latin typeface="Calibri" panose="020F0502020204030204" pitchFamily="34" charset="0"/>
-              <a:ea typeface="Calibri" panose="020F0502020204030204" pitchFamily="34" charset="0"/>
-              <a:cs typeface="Times New Roman" panose="02020603050405020304" pitchFamily="18" charset="0"/>
-            </a:endParaRPr>
-          </a:p>
-        </p:txBody>
-      </p:sp>
-    </p:spTree>
-    <p:extLst>
-      <p:ext uri="{BB962C8B-B14F-4D97-AF65-F5344CB8AC3E}">
-        <p14:creationId xmlns:p14="http://schemas.microsoft.com/office/powerpoint/2010/main" val="4087003005"/>
       </p:ext>
     </p:extLst>
   </p:cSld>
@@ -4412,7 +4277,7 @@
           <p:cNvPr id="2" name="Заголовок 1">
             <a:extLst>
               <a:ext uri="{FF2B5EF4-FFF2-40B4-BE49-F238E27FC236}">
-                <a16:creationId xmlns:a16="http://schemas.microsoft.com/office/drawing/2014/main" id="{A4D9115D-521E-4D01-B047-F16009E7E201}"/>
+                <a16:creationId xmlns:a16="http://schemas.microsoft.com/office/drawing/2014/main" id="{92129873-7765-4DE4-80E1-67EFAB731028}"/>
               </a:ext>
             </a:extLst>
           </p:cNvPr>
@@ -4430,7 +4295,7 @@
           <a:p>
             <a:r>
               <a:rPr lang="en-US" dirty="0"/>
-              <a:t>Benefits</a:t>
+              <a:t>Tools and Techniques</a:t>
             </a:r>
             <a:endParaRPr lang="ru-RU" dirty="0"/>
           </a:p>
@@ -4441,7 +4306,7 @@
           <p:cNvPr id="3" name="Объект 2">
             <a:extLst>
               <a:ext uri="{FF2B5EF4-FFF2-40B4-BE49-F238E27FC236}">
-                <a16:creationId xmlns:a16="http://schemas.microsoft.com/office/drawing/2014/main" id="{13E15D47-CAF7-43CB-A979-358982830420}"/>
+                <a16:creationId xmlns:a16="http://schemas.microsoft.com/office/drawing/2014/main" id="{94B58713-C3A4-41E1-9D2D-D56CA159F355}"/>
               </a:ext>
             </a:extLst>
           </p:cNvPr>
@@ -4454,13 +4319,13 @@
         </p:nvSpPr>
         <p:spPr>
           <a:xfrm>
-            <a:off x="2231136" y="2330824"/>
-            <a:ext cx="7729728" cy="4043082"/>
+            <a:off x="2231136" y="2315315"/>
+            <a:ext cx="7729728" cy="3771721"/>
           </a:xfrm>
         </p:spPr>
         <p:txBody>
           <a:bodyPr>
-            <a:normAutofit fontScale="92500" lnSpcReduction="10000"/>
+            <a:normAutofit/>
           </a:bodyPr>
           <a:lstStyle/>
           <a:p>
@@ -4479,15 +4344,15 @@
               </a:tabLst>
             </a:pPr>
             <a:r>
-              <a:rPr lang="en-US" sz="3200" b="1" dirty="0">
+              <a:rPr lang="en-US" sz="2800" b="1" dirty="0">
                 <a:effectLst/>
                 <a:latin typeface="Calibri" panose="020F0502020204030204" pitchFamily="34" charset="0"/>
                 <a:ea typeface="Calibri" panose="020F0502020204030204" pitchFamily="34" charset="0"/>
                 <a:cs typeface="Times New Roman" panose="02020603050405020304" pitchFamily="18" charset="0"/>
               </a:rPr>
-              <a:t>Increased Efficiency</a:t>
-            </a:r>
-            <a:endParaRPr lang="ru-RU" sz="3200" dirty="0">
+              <a:t>5S System</a:t>
+            </a:r>
+            <a:endParaRPr lang="ru-RU" sz="2800" dirty="0">
               <a:effectLst/>
               <a:latin typeface="Calibri" panose="020F0502020204030204" pitchFamily="34" charset="0"/>
               <a:ea typeface="Calibri" panose="020F0502020204030204" pitchFamily="34" charset="0"/>
@@ -4510,15 +4375,15 @@
               </a:tabLst>
             </a:pPr>
             <a:r>
-              <a:rPr lang="en-US" sz="3200" b="1" dirty="0">
+              <a:rPr lang="en-US" sz="2800" b="1" dirty="0">
                 <a:effectLst/>
                 <a:latin typeface="Calibri" panose="020F0502020204030204" pitchFamily="34" charset="0"/>
                 <a:ea typeface="Calibri" panose="020F0502020204030204" pitchFamily="34" charset="0"/>
                 <a:cs typeface="Times New Roman" panose="02020603050405020304" pitchFamily="18" charset="0"/>
               </a:rPr>
-              <a:t>Cost Reduction</a:t>
-            </a:r>
-            <a:endParaRPr lang="ru-RU" sz="3200" dirty="0">
+              <a:t>Kanban System</a:t>
+            </a:r>
+            <a:endParaRPr lang="ru-RU" sz="2800" dirty="0">
               <a:effectLst/>
               <a:latin typeface="Calibri" panose="020F0502020204030204" pitchFamily="34" charset="0"/>
               <a:ea typeface="Calibri" panose="020F0502020204030204" pitchFamily="34" charset="0"/>
@@ -4541,15 +4406,15 @@
               </a:tabLst>
             </a:pPr>
             <a:r>
-              <a:rPr lang="en-US" sz="3200" b="1" dirty="0">
+              <a:rPr lang="en-US" sz="2800" b="1" dirty="0">
                 <a:effectLst/>
                 <a:latin typeface="Calibri" panose="020F0502020204030204" pitchFamily="34" charset="0"/>
                 <a:ea typeface="Calibri" panose="020F0502020204030204" pitchFamily="34" charset="0"/>
                 <a:cs typeface="Times New Roman" panose="02020603050405020304" pitchFamily="18" charset="0"/>
               </a:rPr>
-              <a:t>Improved Quality</a:t>
-            </a:r>
-            <a:endParaRPr lang="ru-RU" sz="3200" b="1" dirty="0">
+              <a:t>Poka-Yoke (Error Proofing)</a:t>
+            </a:r>
+            <a:endParaRPr lang="ru-RU" sz="2800" b="1" dirty="0">
               <a:effectLst/>
               <a:latin typeface="Calibri" panose="020F0502020204030204" pitchFamily="34" charset="0"/>
               <a:ea typeface="Calibri" panose="020F0502020204030204" pitchFamily="34" charset="0"/>
@@ -4572,15 +4437,15 @@
               </a:tabLst>
             </a:pPr>
             <a:r>
-              <a:rPr lang="en-US" sz="3200" b="1" dirty="0">
+              <a:rPr lang="en-US" sz="2800" b="1" dirty="0">
                 <a:effectLst/>
                 <a:latin typeface="Calibri" panose="020F0502020204030204" pitchFamily="34" charset="0"/>
                 <a:ea typeface="Calibri" panose="020F0502020204030204" pitchFamily="34" charset="0"/>
                 <a:cs typeface="Times New Roman" panose="02020603050405020304" pitchFamily="18" charset="0"/>
               </a:rPr>
-              <a:t>Faster Time-to-Market</a:t>
-            </a:r>
-            <a:endParaRPr lang="ru-RU" sz="3200" b="1" dirty="0">
+              <a:t>Kaizen (Continuous Improvement)</a:t>
+            </a:r>
+            <a:endParaRPr lang="ru-RU" sz="2800" b="1" dirty="0">
               <a:effectLst/>
               <a:latin typeface="Calibri" panose="020F0502020204030204" pitchFamily="34" charset="0"/>
               <a:ea typeface="Calibri" panose="020F0502020204030204" pitchFamily="34" charset="0"/>
@@ -4603,58 +4468,27 @@
               </a:tabLst>
             </a:pPr>
             <a:r>
-              <a:rPr lang="en-US" sz="3200" b="1" dirty="0">
+              <a:rPr lang="en-US" sz="2800" b="1" dirty="0">
                 <a:effectLst/>
                 <a:latin typeface="Calibri" panose="020F0502020204030204" pitchFamily="34" charset="0"/>
                 <a:ea typeface="Calibri" panose="020F0502020204030204" pitchFamily="34" charset="0"/>
                 <a:cs typeface="Times New Roman" panose="02020603050405020304" pitchFamily="18" charset="0"/>
               </a:rPr>
-              <a:t>Enhanced Employee Morale</a:t>
-            </a:r>
-            <a:endParaRPr lang="ru-RU" sz="3200" b="1" dirty="0">
+              <a:t>Value Stream Mapping</a:t>
+            </a:r>
+            <a:endParaRPr lang="ru-RU" sz="2800" dirty="0">
               <a:effectLst/>
               <a:latin typeface="Calibri" panose="020F0502020204030204" pitchFamily="34" charset="0"/>
               <a:ea typeface="Calibri" panose="020F0502020204030204" pitchFamily="34" charset="0"/>
               <a:cs typeface="Times New Roman" panose="02020603050405020304" pitchFamily="18" charset="0"/>
             </a:endParaRPr>
           </a:p>
-          <a:p>
-            <a:pPr marL="342900" lvl="0" indent="-342900" algn="ctr">
-              <a:lnSpc>
-                <a:spcPct val="107000"/>
-              </a:lnSpc>
-              <a:spcAft>
-                <a:spcPts val="800"/>
-              </a:spcAft>
-              <a:buSzPts val="1000"/>
-              <a:buFont typeface="Symbol" panose="05050102010706020507" pitchFamily="18" charset="2"/>
-              <a:buChar char=""/>
-              <a:tabLst>
-                <a:tab pos="457200" algn="l"/>
-              </a:tabLst>
-            </a:pPr>
-            <a:r>
-              <a:rPr lang="en-US" sz="3200" b="1" dirty="0">
-                <a:effectLst/>
-                <a:latin typeface="Calibri" panose="020F0502020204030204" pitchFamily="34" charset="0"/>
-                <a:ea typeface="Calibri" panose="020F0502020204030204" pitchFamily="34" charset="0"/>
-                <a:cs typeface="Times New Roman" panose="02020603050405020304" pitchFamily="18" charset="0"/>
-              </a:rPr>
-              <a:t>Sustainable Growth</a:t>
-            </a:r>
-            <a:endParaRPr lang="ru-RU" sz="3200" dirty="0">
-              <a:effectLst/>
-              <a:latin typeface="Calibri" panose="020F0502020204030204" pitchFamily="34" charset="0"/>
-              <a:ea typeface="Calibri" panose="020F0502020204030204" pitchFamily="34" charset="0"/>
-              <a:cs typeface="Times New Roman" panose="02020603050405020304" pitchFamily="18" charset="0"/>
-            </a:endParaRPr>
-          </a:p>
         </p:txBody>
       </p:sp>
     </p:spTree>
     <p:extLst>
       <p:ext uri="{BB962C8B-B14F-4D97-AF65-F5344CB8AC3E}">
-        <p14:creationId xmlns:p14="http://schemas.microsoft.com/office/powerpoint/2010/main" val="837558708"/>
+        <p14:creationId xmlns:p14="http://schemas.microsoft.com/office/powerpoint/2010/main" val="4087003005"/>
       </p:ext>
     </p:extLst>
   </p:cSld>
@@ -4686,6 +4520,280 @@
           <p:cNvPr id="2" name="Заголовок 1">
             <a:extLst>
               <a:ext uri="{FF2B5EF4-FFF2-40B4-BE49-F238E27FC236}">
+                <a16:creationId xmlns:a16="http://schemas.microsoft.com/office/drawing/2014/main" id="{A4D9115D-521E-4D01-B047-F16009E7E201}"/>
+              </a:ext>
+            </a:extLst>
+          </p:cNvPr>
+          <p:cNvSpPr>
+            <a:spLocks noGrp="1"/>
+          </p:cNvSpPr>
+          <p:nvPr>
+            <p:ph type="title"/>
+          </p:nvPr>
+        </p:nvSpPr>
+        <p:spPr/>
+        <p:txBody>
+          <a:bodyPr/>
+          <a:lstStyle/>
+          <a:p>
+            <a:r>
+              <a:rPr lang="en-US" dirty="0"/>
+              <a:t>Benefits</a:t>
+            </a:r>
+            <a:endParaRPr lang="ru-RU" dirty="0"/>
+          </a:p>
+        </p:txBody>
+      </p:sp>
+      <p:sp>
+        <p:nvSpPr>
+          <p:cNvPr id="3" name="Объект 2">
+            <a:extLst>
+              <a:ext uri="{FF2B5EF4-FFF2-40B4-BE49-F238E27FC236}">
+                <a16:creationId xmlns:a16="http://schemas.microsoft.com/office/drawing/2014/main" id="{13E15D47-CAF7-43CB-A979-358982830420}"/>
+              </a:ext>
+            </a:extLst>
+          </p:cNvPr>
+          <p:cNvSpPr>
+            <a:spLocks noGrp="1"/>
+          </p:cNvSpPr>
+          <p:nvPr>
+            <p:ph idx="1"/>
+          </p:nvPr>
+        </p:nvSpPr>
+        <p:spPr>
+          <a:xfrm>
+            <a:off x="2231136" y="2330824"/>
+            <a:ext cx="7729728" cy="4043082"/>
+          </a:xfrm>
+        </p:spPr>
+        <p:txBody>
+          <a:bodyPr>
+            <a:normAutofit fontScale="92500" lnSpcReduction="10000"/>
+          </a:bodyPr>
+          <a:lstStyle/>
+          <a:p>
+            <a:pPr marL="342900" lvl="0" indent="-342900" algn="ctr">
+              <a:lnSpc>
+                <a:spcPct val="107000"/>
+              </a:lnSpc>
+              <a:spcAft>
+                <a:spcPts val="800"/>
+              </a:spcAft>
+              <a:buSzPts val="1000"/>
+              <a:buFont typeface="Symbol" panose="05050102010706020507" pitchFamily="18" charset="2"/>
+              <a:buChar char=""/>
+              <a:tabLst>
+                <a:tab pos="457200" algn="l"/>
+              </a:tabLst>
+            </a:pPr>
+            <a:r>
+              <a:rPr lang="en-US" sz="3200" b="1" dirty="0">
+                <a:effectLst/>
+                <a:latin typeface="Calibri" panose="020F0502020204030204" pitchFamily="34" charset="0"/>
+                <a:ea typeface="Calibri" panose="020F0502020204030204" pitchFamily="34" charset="0"/>
+                <a:cs typeface="Times New Roman" panose="02020603050405020304" pitchFamily="18" charset="0"/>
+              </a:rPr>
+              <a:t>Increased Efficiency</a:t>
+            </a:r>
+            <a:endParaRPr lang="ru-RU" sz="3200" dirty="0">
+              <a:effectLst/>
+              <a:latin typeface="Calibri" panose="020F0502020204030204" pitchFamily="34" charset="0"/>
+              <a:ea typeface="Calibri" panose="020F0502020204030204" pitchFamily="34" charset="0"/>
+              <a:cs typeface="Times New Roman" panose="02020603050405020304" pitchFamily="18" charset="0"/>
+            </a:endParaRPr>
+          </a:p>
+          <a:p>
+            <a:pPr marL="342900" lvl="0" indent="-342900" algn="ctr">
+              <a:lnSpc>
+                <a:spcPct val="107000"/>
+              </a:lnSpc>
+              <a:spcAft>
+                <a:spcPts val="800"/>
+              </a:spcAft>
+              <a:buSzPts val="1000"/>
+              <a:buFont typeface="Symbol" panose="05050102010706020507" pitchFamily="18" charset="2"/>
+              <a:buChar char=""/>
+              <a:tabLst>
+                <a:tab pos="457200" algn="l"/>
+              </a:tabLst>
+            </a:pPr>
+            <a:r>
+              <a:rPr lang="en-US" sz="3200" b="1" dirty="0">
+                <a:effectLst/>
+                <a:latin typeface="Calibri" panose="020F0502020204030204" pitchFamily="34" charset="0"/>
+                <a:ea typeface="Calibri" panose="020F0502020204030204" pitchFamily="34" charset="0"/>
+                <a:cs typeface="Times New Roman" panose="02020603050405020304" pitchFamily="18" charset="0"/>
+              </a:rPr>
+              <a:t>Cost Reduction</a:t>
+            </a:r>
+            <a:endParaRPr lang="ru-RU" sz="3200" dirty="0">
+              <a:effectLst/>
+              <a:latin typeface="Calibri" panose="020F0502020204030204" pitchFamily="34" charset="0"/>
+              <a:ea typeface="Calibri" panose="020F0502020204030204" pitchFamily="34" charset="0"/>
+              <a:cs typeface="Times New Roman" panose="02020603050405020304" pitchFamily="18" charset="0"/>
+            </a:endParaRPr>
+          </a:p>
+          <a:p>
+            <a:pPr marL="342900" lvl="0" indent="-342900" algn="ctr">
+              <a:lnSpc>
+                <a:spcPct val="107000"/>
+              </a:lnSpc>
+              <a:spcAft>
+                <a:spcPts val="800"/>
+              </a:spcAft>
+              <a:buSzPts val="1000"/>
+              <a:buFont typeface="Symbol" panose="05050102010706020507" pitchFamily="18" charset="2"/>
+              <a:buChar char=""/>
+              <a:tabLst>
+                <a:tab pos="457200" algn="l"/>
+              </a:tabLst>
+            </a:pPr>
+            <a:r>
+              <a:rPr lang="en-US" sz="3200" b="1" dirty="0">
+                <a:effectLst/>
+                <a:latin typeface="Calibri" panose="020F0502020204030204" pitchFamily="34" charset="0"/>
+                <a:ea typeface="Calibri" panose="020F0502020204030204" pitchFamily="34" charset="0"/>
+                <a:cs typeface="Times New Roman" panose="02020603050405020304" pitchFamily="18" charset="0"/>
+              </a:rPr>
+              <a:t>Improved Quality</a:t>
+            </a:r>
+            <a:endParaRPr lang="ru-RU" sz="3200" b="1" dirty="0">
+              <a:effectLst/>
+              <a:latin typeface="Calibri" panose="020F0502020204030204" pitchFamily="34" charset="0"/>
+              <a:ea typeface="Calibri" panose="020F0502020204030204" pitchFamily="34" charset="0"/>
+              <a:cs typeface="Times New Roman" panose="02020603050405020304" pitchFamily="18" charset="0"/>
+            </a:endParaRPr>
+          </a:p>
+          <a:p>
+            <a:pPr marL="342900" lvl="0" indent="-342900" algn="ctr">
+              <a:lnSpc>
+                <a:spcPct val="107000"/>
+              </a:lnSpc>
+              <a:spcAft>
+                <a:spcPts val="800"/>
+              </a:spcAft>
+              <a:buSzPts val="1000"/>
+              <a:buFont typeface="Symbol" panose="05050102010706020507" pitchFamily="18" charset="2"/>
+              <a:buChar char=""/>
+              <a:tabLst>
+                <a:tab pos="457200" algn="l"/>
+              </a:tabLst>
+            </a:pPr>
+            <a:r>
+              <a:rPr lang="en-US" sz="3200" b="1" dirty="0">
+                <a:effectLst/>
+                <a:latin typeface="Calibri" panose="020F0502020204030204" pitchFamily="34" charset="0"/>
+                <a:ea typeface="Calibri" panose="020F0502020204030204" pitchFamily="34" charset="0"/>
+                <a:cs typeface="Times New Roman" panose="02020603050405020304" pitchFamily="18" charset="0"/>
+              </a:rPr>
+              <a:t>Faster Time-to-Market</a:t>
+            </a:r>
+            <a:endParaRPr lang="ru-RU" sz="3200" b="1" dirty="0">
+              <a:effectLst/>
+              <a:latin typeface="Calibri" panose="020F0502020204030204" pitchFamily="34" charset="0"/>
+              <a:ea typeface="Calibri" panose="020F0502020204030204" pitchFamily="34" charset="0"/>
+              <a:cs typeface="Times New Roman" panose="02020603050405020304" pitchFamily="18" charset="0"/>
+            </a:endParaRPr>
+          </a:p>
+          <a:p>
+            <a:pPr marL="342900" lvl="0" indent="-342900" algn="ctr">
+              <a:lnSpc>
+                <a:spcPct val="107000"/>
+              </a:lnSpc>
+              <a:spcAft>
+                <a:spcPts val="800"/>
+              </a:spcAft>
+              <a:buSzPts val="1000"/>
+              <a:buFont typeface="Symbol" panose="05050102010706020507" pitchFamily="18" charset="2"/>
+              <a:buChar char=""/>
+              <a:tabLst>
+                <a:tab pos="457200" algn="l"/>
+              </a:tabLst>
+            </a:pPr>
+            <a:r>
+              <a:rPr lang="en-US" sz="3200" b="1" dirty="0">
+                <a:effectLst/>
+                <a:latin typeface="Calibri" panose="020F0502020204030204" pitchFamily="34" charset="0"/>
+                <a:ea typeface="Calibri" panose="020F0502020204030204" pitchFamily="34" charset="0"/>
+                <a:cs typeface="Times New Roman" panose="02020603050405020304" pitchFamily="18" charset="0"/>
+              </a:rPr>
+              <a:t>Enhanced Employee Morale</a:t>
+            </a:r>
+            <a:endParaRPr lang="ru-RU" sz="3200" b="1" dirty="0">
+              <a:effectLst/>
+              <a:latin typeface="Calibri" panose="020F0502020204030204" pitchFamily="34" charset="0"/>
+              <a:ea typeface="Calibri" panose="020F0502020204030204" pitchFamily="34" charset="0"/>
+              <a:cs typeface="Times New Roman" panose="02020603050405020304" pitchFamily="18" charset="0"/>
+            </a:endParaRPr>
+          </a:p>
+          <a:p>
+            <a:pPr marL="342900" lvl="0" indent="-342900" algn="ctr">
+              <a:lnSpc>
+                <a:spcPct val="107000"/>
+              </a:lnSpc>
+              <a:spcAft>
+                <a:spcPts val="800"/>
+              </a:spcAft>
+              <a:buSzPts val="1000"/>
+              <a:buFont typeface="Symbol" panose="05050102010706020507" pitchFamily="18" charset="2"/>
+              <a:buChar char=""/>
+              <a:tabLst>
+                <a:tab pos="457200" algn="l"/>
+              </a:tabLst>
+            </a:pPr>
+            <a:r>
+              <a:rPr lang="en-US" sz="3200" b="1" dirty="0">
+                <a:effectLst/>
+                <a:latin typeface="Calibri" panose="020F0502020204030204" pitchFamily="34" charset="0"/>
+                <a:ea typeface="Calibri" panose="020F0502020204030204" pitchFamily="34" charset="0"/>
+                <a:cs typeface="Times New Roman" panose="02020603050405020304" pitchFamily="18" charset="0"/>
+              </a:rPr>
+              <a:t>Sustainable Growth</a:t>
+            </a:r>
+            <a:endParaRPr lang="ru-RU" sz="3200" dirty="0">
+              <a:effectLst/>
+              <a:latin typeface="Calibri" panose="020F0502020204030204" pitchFamily="34" charset="0"/>
+              <a:ea typeface="Calibri" panose="020F0502020204030204" pitchFamily="34" charset="0"/>
+              <a:cs typeface="Times New Roman" panose="02020603050405020304" pitchFamily="18" charset="0"/>
+            </a:endParaRPr>
+          </a:p>
+        </p:txBody>
+      </p:sp>
+    </p:spTree>
+    <p:extLst>
+      <p:ext uri="{BB962C8B-B14F-4D97-AF65-F5344CB8AC3E}">
+        <p14:creationId xmlns:p14="http://schemas.microsoft.com/office/powerpoint/2010/main" val="837558708"/>
+      </p:ext>
+    </p:extLst>
+  </p:cSld>
+  <p:clrMapOvr>
+    <a:masterClrMapping/>
+  </p:clrMapOvr>
+</p:sld>
+</file>
+
+<file path=ppt/slides/slide8.xml><?xml version="1.0" encoding="utf-8"?>
+<p:sld xmlns:a="http://schemas.openxmlformats.org/drawingml/2006/main" xmlns:r="http://schemas.openxmlformats.org/officeDocument/2006/relationships" xmlns:p="http://schemas.openxmlformats.org/presentationml/2006/main">
+  <p:cSld>
+    <p:spTree>
+      <p:nvGrpSpPr>
+        <p:cNvPr id="1" name=""/>
+        <p:cNvGrpSpPr/>
+        <p:nvPr/>
+      </p:nvGrpSpPr>
+      <p:grpSpPr>
+        <a:xfrm>
+          <a:off x="0" y="0"/>
+          <a:ext cx="0" cy="0"/>
+          <a:chOff x="0" y="0"/>
+          <a:chExt cx="0" cy="0"/>
+        </a:xfrm>
+      </p:grpSpPr>
+      <p:sp>
+        <p:nvSpPr>
+          <p:cNvPr id="2" name="Заголовок 1">
+            <a:extLst>
+              <a:ext uri="{FF2B5EF4-FFF2-40B4-BE49-F238E27FC236}">
                 <a16:creationId xmlns:a16="http://schemas.microsoft.com/office/drawing/2014/main" id="{1052F831-FA3B-4E62-BD4D-160B7E1BB93E}"/>
               </a:ext>
             </a:extLst>
@@ -4726,20 +4834,27 @@
             <p:ph idx="1"/>
           </p:nvPr>
         </p:nvSpPr>
-        <p:spPr/>
-        <p:txBody>
-          <a:bodyPr/>
+        <p:spPr>
+          <a:xfrm>
+            <a:off x="1051034" y="2638044"/>
+            <a:ext cx="10089931" cy="3101983"/>
+          </a:xfrm>
+        </p:spPr>
+        <p:txBody>
+          <a:bodyPr>
+            <a:normAutofit/>
+          </a:bodyPr>
           <a:lstStyle/>
           <a:p>
             <a:pPr marL="0" indent="0" algn="just">
               <a:buNone/>
             </a:pPr>
             <a:r>
-              <a:rPr lang="en-US" dirty="0"/>
+              <a:rPr lang="en-US" sz="2400" dirty="0"/>
               <a:t>	</a:t>
             </a:r>
             <a:r>
-              <a:rPr lang="en-US" sz="2400" dirty="0">
+              <a:rPr lang="en-US" sz="3200" dirty="0">
                 <a:latin typeface="Calibri" panose="020F0502020204030204" pitchFamily="34" charset="0"/>
                 <a:ea typeface="Calibri" panose="020F0502020204030204" pitchFamily="34" charset="0"/>
                 <a:cs typeface="Calibri" panose="020F0502020204030204" pitchFamily="34" charset="0"/>
@@ -4747,7 +4862,7 @@
               <a:t>Lean Manufacturing stands as a </a:t>
             </a:r>
             <a:r>
-              <a:rPr lang="en-US" sz="2400" b="1" dirty="0">
+              <a:rPr lang="en-US" sz="3200" b="1" dirty="0">
                 <a:latin typeface="Calibri" panose="020F0502020204030204" pitchFamily="34" charset="0"/>
                 <a:ea typeface="Calibri" panose="020F0502020204030204" pitchFamily="34" charset="0"/>
                 <a:cs typeface="Calibri" panose="020F0502020204030204" pitchFamily="34" charset="0"/>
@@ -4755,14 +4870,14 @@
               <a:t>powerful framework</a:t>
             </a:r>
             <a:r>
-              <a:rPr lang="en-US" sz="2400" dirty="0">
+              <a:rPr lang="en-US" sz="3200" dirty="0">
                 <a:latin typeface="Calibri" panose="020F0502020204030204" pitchFamily="34" charset="0"/>
                 <a:ea typeface="Calibri" panose="020F0502020204030204" pitchFamily="34" charset="0"/>
                 <a:cs typeface="Calibri" panose="020F0502020204030204" pitchFamily="34" charset="0"/>
               </a:rPr>
               <a:t>, offering a strategic pathway to heightened efficiency, reduced costs, and improved quality in production processes. Lean Manufacturing is a mindset that propels organizations toward sustainable success and operational excellence.</a:t>
             </a:r>
-            <a:endParaRPr lang="ru-RU" dirty="0">
+            <a:endParaRPr lang="ru-RU" sz="2400" dirty="0">
               <a:latin typeface="Calibri" panose="020F0502020204030204" pitchFamily="34" charset="0"/>
               <a:ea typeface="Calibri" panose="020F0502020204030204" pitchFamily="34" charset="0"/>
               <a:cs typeface="Calibri" panose="020F0502020204030204" pitchFamily="34" charset="0"/>
